--- a/REU_Final.pptx
+++ b/REU_Final.pptx
@@ -238,7 +238,7 @@
           <a:p>
             <a:fld id="{7BF66720-66D5-4E31-8205-4D914016F74C}" type="datetimeFigureOut">
               <a:rPr lang="en-US" smtClean="0"/>
-              <a:t>7/29/2018</a:t>
+              <a:t>7/30/2018</a:t>
             </a:fld>
             <a:endParaRPr lang="en-US"/>
           </a:p>
@@ -3636,10 +3636,6 @@
           <a:bodyPr/>
           <a:lstStyle/>
           <a:p>
-            <a:fld id="{006E5288-F3E9-49FA-B019-C5594F41DC28}" type="datetimeFigureOut">
-              <a:rPr lang="en-US" smtClean="0"/>
-              <a:t>7/28/2018</a:t>
-            </a:fld>
             <a:endParaRPr lang="en-US"/>
           </a:p>
         </p:txBody>
@@ -3659,7 +3655,10 @@
           <a:bodyPr/>
           <a:lstStyle/>
           <a:p>
-            <a:endParaRPr lang="en-US"/>
+            <a:r>
+              <a:rPr lang="en-US"/>
+              <a:t>https://github.com/milljohn/2018_REU</a:t>
+            </a:r>
           </a:p>
         </p:txBody>
       </p:sp>
@@ -3911,10 +3910,6 @@
           <a:bodyPr/>
           <a:lstStyle/>
           <a:p>
-            <a:fld id="{006E5288-F3E9-49FA-B019-C5594F41DC28}" type="datetimeFigureOut">
-              <a:rPr lang="en-US" smtClean="0"/>
-              <a:t>7/28/2018</a:t>
-            </a:fld>
             <a:endParaRPr lang="en-US"/>
           </a:p>
         </p:txBody>
@@ -3934,7 +3929,10 @@
           <a:bodyPr/>
           <a:lstStyle/>
           <a:p>
-            <a:endParaRPr lang="en-US"/>
+            <a:r>
+              <a:rPr lang="en-US"/>
+              <a:t>https://github.com/milljohn/2018_REU</a:t>
+            </a:r>
           </a:p>
         </p:txBody>
       </p:sp>
@@ -4105,10 +4103,6 @@
           <a:bodyPr/>
           <a:lstStyle/>
           <a:p>
-            <a:fld id="{006E5288-F3E9-49FA-B019-C5594F41DC28}" type="datetimeFigureOut">
-              <a:rPr lang="en-US" smtClean="0"/>
-              <a:t>7/28/2018</a:t>
-            </a:fld>
             <a:endParaRPr lang="en-US"/>
           </a:p>
         </p:txBody>
@@ -4128,7 +4122,10 @@
           <a:bodyPr/>
           <a:lstStyle/>
           <a:p>
-            <a:endParaRPr lang="en-US"/>
+            <a:r>
+              <a:rPr lang="en-US"/>
+              <a:t>https://github.com/milljohn/2018_REU</a:t>
+            </a:r>
           </a:p>
         </p:txBody>
       </p:sp>
@@ -4378,10 +4375,6 @@
           <a:bodyPr/>
           <a:lstStyle/>
           <a:p>
-            <a:fld id="{006E5288-F3E9-49FA-B019-C5594F41DC28}" type="datetimeFigureOut">
-              <a:rPr lang="en-US" smtClean="0"/>
-              <a:t>7/28/2018</a:t>
-            </a:fld>
             <a:endParaRPr lang="en-US"/>
           </a:p>
         </p:txBody>
@@ -4401,7 +4394,10 @@
           <a:bodyPr/>
           <a:lstStyle/>
           <a:p>
-            <a:endParaRPr lang="en-US"/>
+            <a:r>
+              <a:rPr lang="en-US"/>
+              <a:t>https://github.com/milljohn/2018_REU</a:t>
+            </a:r>
           </a:p>
         </p:txBody>
       </p:sp>
@@ -4719,10 +4715,6 @@
           <a:bodyPr/>
           <a:lstStyle/>
           <a:p>
-            <a:fld id="{006E5288-F3E9-49FA-B019-C5594F41DC28}" type="datetimeFigureOut">
-              <a:rPr lang="en-US" smtClean="0"/>
-              <a:t>7/28/2018</a:t>
-            </a:fld>
             <a:endParaRPr lang="en-US"/>
           </a:p>
         </p:txBody>
@@ -4742,7 +4734,10 @@
           <a:bodyPr/>
           <a:lstStyle/>
           <a:p>
-            <a:endParaRPr lang="en-US"/>
+            <a:r>
+              <a:rPr lang="en-US"/>
+              <a:t>https://github.com/milljohn/2018_REU</a:t>
+            </a:r>
           </a:p>
         </p:txBody>
       </p:sp>
@@ -5342,10 +5337,6 @@
           <a:bodyPr/>
           <a:lstStyle/>
           <a:p>
-            <a:fld id="{006E5288-F3E9-49FA-B019-C5594F41DC28}" type="datetimeFigureOut">
-              <a:rPr lang="en-US" smtClean="0"/>
-              <a:t>7/28/2018</a:t>
-            </a:fld>
             <a:endParaRPr lang="en-US"/>
           </a:p>
         </p:txBody>
@@ -5365,7 +5356,10 @@
           <a:bodyPr/>
           <a:lstStyle/>
           <a:p>
-            <a:endParaRPr lang="en-US"/>
+            <a:r>
+              <a:rPr lang="en-US"/>
+              <a:t>https://github.com/milljohn/2018_REU</a:t>
+            </a:r>
           </a:p>
         </p:txBody>
       </p:sp>
@@ -6202,10 +6196,6 @@
           <a:bodyPr/>
           <a:lstStyle/>
           <a:p>
-            <a:fld id="{006E5288-F3E9-49FA-B019-C5594F41DC28}" type="datetimeFigureOut">
-              <a:rPr lang="en-US" smtClean="0"/>
-              <a:t>7/28/2018</a:t>
-            </a:fld>
             <a:endParaRPr lang="en-US"/>
           </a:p>
         </p:txBody>
@@ -6225,7 +6215,10 @@
           <a:bodyPr/>
           <a:lstStyle/>
           <a:p>
-            <a:endParaRPr lang="en-US"/>
+            <a:r>
+              <a:rPr lang="en-US"/>
+              <a:t>https://github.com/milljohn/2018_REU</a:t>
+            </a:r>
           </a:p>
         </p:txBody>
       </p:sp>
@@ -6372,10 +6365,6 @@
           <a:bodyPr/>
           <a:lstStyle/>
           <a:p>
-            <a:fld id="{006E5288-F3E9-49FA-B019-C5594F41DC28}" type="datetimeFigureOut">
-              <a:rPr lang="en-US" smtClean="0"/>
-              <a:t>7/28/2018</a:t>
-            </a:fld>
             <a:endParaRPr lang="en-US"/>
           </a:p>
         </p:txBody>
@@ -6395,7 +6384,10 @@
           <a:bodyPr/>
           <a:lstStyle/>
           <a:p>
-            <a:endParaRPr lang="en-US"/>
+            <a:r>
+              <a:rPr lang="en-US"/>
+              <a:t>https://github.com/milljohn/2018_REU</a:t>
+            </a:r>
           </a:p>
         </p:txBody>
       </p:sp>
@@ -6552,10 +6544,6 @@
           <a:bodyPr/>
           <a:lstStyle/>
           <a:p>
-            <a:fld id="{006E5288-F3E9-49FA-B019-C5594F41DC28}" type="datetimeFigureOut">
-              <a:rPr lang="en-US" smtClean="0"/>
-              <a:t>7/28/2018</a:t>
-            </a:fld>
             <a:endParaRPr lang="en-US"/>
           </a:p>
         </p:txBody>
@@ -6575,7 +6563,10 @@
           <a:bodyPr/>
           <a:lstStyle/>
           <a:p>
-            <a:endParaRPr lang="en-US"/>
+            <a:r>
+              <a:rPr lang="en-US"/>
+              <a:t>https://github.com/milljohn/2018_REU</a:t>
+            </a:r>
           </a:p>
         </p:txBody>
       </p:sp>
@@ -7559,10 +7550,6 @@
           <a:bodyPr/>
           <a:lstStyle/>
           <a:p>
-            <a:fld id="{006E5288-F3E9-49FA-B019-C5594F41DC28}" type="datetimeFigureOut">
-              <a:rPr lang="en-US" smtClean="0"/>
-              <a:t>7/28/2018</a:t>
-            </a:fld>
             <a:endParaRPr lang="en-US"/>
           </a:p>
         </p:txBody>
@@ -7582,7 +7569,10 @@
           <a:bodyPr/>
           <a:lstStyle/>
           <a:p>
-            <a:endParaRPr lang="en-US"/>
+            <a:r>
+              <a:rPr lang="en-US"/>
+              <a:t>https://github.com/milljohn/2018_REU</a:t>
+            </a:r>
           </a:p>
         </p:txBody>
       </p:sp>
@@ -8617,10 +8607,6 @@
           <a:bodyPr/>
           <a:lstStyle/>
           <a:p>
-            <a:fld id="{006E5288-F3E9-49FA-B019-C5594F41DC28}" type="datetimeFigureOut">
-              <a:rPr lang="en-US" smtClean="0"/>
-              <a:t>7/28/2018</a:t>
-            </a:fld>
             <a:endParaRPr lang="en-US"/>
           </a:p>
         </p:txBody>
@@ -8640,7 +8626,10 @@
           <a:bodyPr/>
           <a:lstStyle/>
           <a:p>
-            <a:endParaRPr lang="en-US"/>
+            <a:r>
+              <a:rPr lang="en-US"/>
+              <a:t>https://github.com/milljohn/2018_REU</a:t>
+            </a:r>
           </a:p>
         </p:txBody>
       </p:sp>
@@ -8909,10 +8898,6 @@
           <a:bodyPr/>
           <a:lstStyle/>
           <a:p>
-            <a:fld id="{006E5288-F3E9-49FA-B019-C5594F41DC28}" type="datetimeFigureOut">
-              <a:rPr lang="en-US" smtClean="0"/>
-              <a:t>7/28/2018</a:t>
-            </a:fld>
             <a:endParaRPr lang="en-US"/>
           </a:p>
         </p:txBody>
@@ -8932,7 +8917,10 @@
           <a:bodyPr/>
           <a:lstStyle/>
           <a:p>
-            <a:endParaRPr lang="en-US"/>
+            <a:r>
+              <a:rPr lang="en-US"/>
+              <a:t>https://github.com/milljohn/2018_REU</a:t>
+            </a:r>
           </a:p>
         </p:txBody>
       </p:sp>
@@ -9353,10 +9341,6 @@
           <a:bodyPr/>
           <a:lstStyle/>
           <a:p>
-            <a:fld id="{006E5288-F3E9-49FA-B019-C5594F41DC28}" type="datetimeFigureOut">
-              <a:rPr lang="en-US" smtClean="0"/>
-              <a:t>7/28/2018</a:t>
-            </a:fld>
             <a:endParaRPr lang="en-US"/>
           </a:p>
         </p:txBody>
@@ -9376,7 +9360,10 @@
           <a:bodyPr/>
           <a:lstStyle/>
           <a:p>
-            <a:endParaRPr lang="en-US"/>
+            <a:r>
+              <a:rPr lang="en-US"/>
+              <a:t>https://github.com/milljohn/2018_REU</a:t>
+            </a:r>
           </a:p>
         </p:txBody>
       </p:sp>
@@ -9471,10 +9458,6 @@
           <a:bodyPr/>
           <a:lstStyle/>
           <a:p>
-            <a:fld id="{006E5288-F3E9-49FA-B019-C5594F41DC28}" type="datetimeFigureOut">
-              <a:rPr lang="en-US" smtClean="0"/>
-              <a:t>7/28/2018</a:t>
-            </a:fld>
             <a:endParaRPr lang="en-US"/>
           </a:p>
         </p:txBody>
@@ -9494,7 +9477,10 @@
           <a:bodyPr/>
           <a:lstStyle/>
           <a:p>
-            <a:endParaRPr lang="en-US"/>
+            <a:r>
+              <a:rPr lang="en-US"/>
+              <a:t>https://github.com/milljohn/2018_REU</a:t>
+            </a:r>
           </a:p>
         </p:txBody>
       </p:sp>
@@ -9566,10 +9552,6 @@
           <a:bodyPr/>
           <a:lstStyle/>
           <a:p>
-            <a:fld id="{006E5288-F3E9-49FA-B019-C5594F41DC28}" type="datetimeFigureOut">
-              <a:rPr lang="en-US" smtClean="0"/>
-              <a:t>7/28/2018</a:t>
-            </a:fld>
             <a:endParaRPr lang="en-US"/>
           </a:p>
         </p:txBody>
@@ -9589,7 +9571,10 @@
           <a:bodyPr/>
           <a:lstStyle/>
           <a:p>
-            <a:endParaRPr lang="en-US"/>
+            <a:r>
+              <a:rPr lang="en-US"/>
+              <a:t>https://github.com/milljohn/2018_REU</a:t>
+            </a:r>
           </a:p>
         </p:txBody>
       </p:sp>
@@ -9845,10 +9830,6 @@
           <a:bodyPr/>
           <a:lstStyle/>
           <a:p>
-            <a:fld id="{006E5288-F3E9-49FA-B019-C5594F41DC28}" type="datetimeFigureOut">
-              <a:rPr lang="en-US" smtClean="0"/>
-              <a:t>7/28/2018</a:t>
-            </a:fld>
             <a:endParaRPr lang="en-US"/>
           </a:p>
         </p:txBody>
@@ -9868,7 +9849,10 @@
           <a:bodyPr/>
           <a:lstStyle/>
           <a:p>
-            <a:endParaRPr lang="en-US"/>
+            <a:r>
+              <a:rPr lang="en-US"/>
+              <a:t>https://github.com/milljohn/2018_REU</a:t>
+            </a:r>
           </a:p>
         </p:txBody>
       </p:sp>
@@ -10120,10 +10104,6 @@
           <a:bodyPr/>
           <a:lstStyle/>
           <a:p>
-            <a:fld id="{006E5288-F3E9-49FA-B019-C5594F41DC28}" type="datetimeFigureOut">
-              <a:rPr lang="en-US" smtClean="0"/>
-              <a:t>7/28/2018</a:t>
-            </a:fld>
             <a:endParaRPr lang="en-US"/>
           </a:p>
         </p:txBody>
@@ -10143,7 +10123,10 @@
           <a:bodyPr/>
           <a:lstStyle/>
           <a:p>
-            <a:endParaRPr lang="en-US"/>
+            <a:r>
+              <a:rPr lang="en-US"/>
+              <a:t>https://github.com/milljohn/2018_REU</a:t>
+            </a:r>
           </a:p>
         </p:txBody>
       </p:sp>
@@ -10549,10 +10532,6 @@
             </a:lvl1pPr>
           </a:lstStyle>
           <a:p>
-            <a:fld id="{006E5288-F3E9-49FA-B019-C5594F41DC28}" type="datetimeFigureOut">
-              <a:rPr lang="en-US" smtClean="0"/>
-              <a:t>7/28/2018</a:t>
-            </a:fld>
             <a:endParaRPr lang="en-US"/>
           </a:p>
         </p:txBody>
@@ -10591,7 +10570,10 @@
             </a:lvl1pPr>
           </a:lstStyle>
           <a:p>
-            <a:endParaRPr lang="en-US"/>
+            <a:r>
+              <a:rPr lang="en-US"/>
+              <a:t>https://github.com/milljohn/2018_REU</a:t>
+            </a:r>
           </a:p>
         </p:txBody>
       </p:sp>
@@ -10668,6 +10650,7 @@
     <p:sldLayoutId id="2147483681" r:id="rId21"/>
     <p:sldLayoutId id="2147483682" r:id="rId22"/>
   </p:sldLayoutIdLst>
+  <p:hf sldNum="0" hdr="0" dt="0"/>
   <p:txStyles>
     <p:titleStyle>
       <a:lvl1pPr algn="l" defTabSz="457200" rtl="0" eaLnBrk="1" latinLnBrk="0" hangingPunct="1">
@@ -11172,6 +11155,34 @@
           </a:p>
         </p:txBody>
       </p:sp>
+      <p:sp>
+        <p:nvSpPr>
+          <p:cNvPr id="2" name="Footer Placeholder 1">
+            <a:extLst>
+              <a:ext uri="{FF2B5EF4-FFF2-40B4-BE49-F238E27FC236}">
+                <a16:creationId xmlns:a16="http://schemas.microsoft.com/office/drawing/2014/main" id="{69609937-91C5-4154-8677-BF82920C70F7}"/>
+              </a:ext>
+            </a:extLst>
+          </p:cNvPr>
+          <p:cNvSpPr>
+            <a:spLocks noGrp="1"/>
+          </p:cNvSpPr>
+          <p:nvPr>
+            <p:ph type="ftr" sz="quarter" idx="11"/>
+          </p:nvPr>
+        </p:nvSpPr>
+        <p:spPr/>
+        <p:txBody>
+          <a:bodyPr/>
+          <a:lstStyle/>
+          <a:p>
+            <a:r>
+              <a:rPr lang="en-US"/>
+              <a:t>https://github.com/milljohn/2018_REU</a:t>
+            </a:r>
+          </a:p>
+        </p:txBody>
+      </p:sp>
     </p:spTree>
     <p:extLst>
       <p:ext uri="{BB962C8B-B14F-4D97-AF65-F5344CB8AC3E}">
@@ -11867,6 +11878,34 @@
           </a:ln>
         </p:spPr>
       </p:pic>
+      <p:sp>
+        <p:nvSpPr>
+          <p:cNvPr id="2" name="Footer Placeholder 1">
+            <a:extLst>
+              <a:ext uri="{FF2B5EF4-FFF2-40B4-BE49-F238E27FC236}">
+                <a16:creationId xmlns:a16="http://schemas.microsoft.com/office/drawing/2014/main" id="{232840B5-34A0-4D56-9362-A5FE577BC849}"/>
+              </a:ext>
+            </a:extLst>
+          </p:cNvPr>
+          <p:cNvSpPr>
+            <a:spLocks noGrp="1"/>
+          </p:cNvSpPr>
+          <p:nvPr>
+            <p:ph type="ftr" sz="quarter" idx="11"/>
+          </p:nvPr>
+        </p:nvSpPr>
+        <p:spPr/>
+        <p:txBody>
+          <a:bodyPr/>
+          <a:lstStyle/>
+          <a:p>
+            <a:r>
+              <a:rPr lang="en-US"/>
+              <a:t>https://github.com/milljohn/2018_REU</a:t>
+            </a:r>
+          </a:p>
+        </p:txBody>
+      </p:sp>
     </p:spTree>
     <p:extLst>
       <p:ext uri="{BB962C8B-B14F-4D97-AF65-F5344CB8AC3E}">
@@ -12224,6 +12263,34 @@
                 <a:srgbClr val="F3F3F3"/>
               </a:solidFill>
             </a:endParaRPr>
+          </a:p>
+        </p:txBody>
+      </p:sp>
+      <p:sp>
+        <p:nvSpPr>
+          <p:cNvPr id="2" name="Footer Placeholder 1">
+            <a:extLst>
+              <a:ext uri="{FF2B5EF4-FFF2-40B4-BE49-F238E27FC236}">
+                <a16:creationId xmlns:a16="http://schemas.microsoft.com/office/drawing/2014/main" id="{C7ADC61C-8B14-435A-8E3F-45264C1C931B}"/>
+              </a:ext>
+            </a:extLst>
+          </p:cNvPr>
+          <p:cNvSpPr>
+            <a:spLocks noGrp="1"/>
+          </p:cNvSpPr>
+          <p:nvPr>
+            <p:ph type="ftr" sz="quarter" idx="11"/>
+          </p:nvPr>
+        </p:nvSpPr>
+        <p:spPr/>
+        <p:txBody>
+          <a:bodyPr/>
+          <a:lstStyle/>
+          <a:p>
+            <a:r>
+              <a:rPr lang="en-US"/>
+              <a:t>https://github.com/milljohn/2018_REU</a:t>
+            </a:r>
           </a:p>
         </p:txBody>
       </p:sp>
@@ -12483,6 +12550,34 @@
           </a:ln>
         </p:spPr>
       </p:pic>
+      <p:sp>
+        <p:nvSpPr>
+          <p:cNvPr id="2" name="Footer Placeholder 1">
+            <a:extLst>
+              <a:ext uri="{FF2B5EF4-FFF2-40B4-BE49-F238E27FC236}">
+                <a16:creationId xmlns:a16="http://schemas.microsoft.com/office/drawing/2014/main" id="{A146C7C5-879B-42AC-BDFF-2DE237918DA5}"/>
+              </a:ext>
+            </a:extLst>
+          </p:cNvPr>
+          <p:cNvSpPr>
+            <a:spLocks noGrp="1"/>
+          </p:cNvSpPr>
+          <p:nvPr>
+            <p:ph type="ftr" sz="quarter" idx="11"/>
+          </p:nvPr>
+        </p:nvSpPr>
+        <p:spPr/>
+        <p:txBody>
+          <a:bodyPr/>
+          <a:lstStyle/>
+          <a:p>
+            <a:r>
+              <a:rPr lang="en-US"/>
+              <a:t>https://github.com/milljohn/2018_REU</a:t>
+            </a:r>
+          </a:p>
+        </p:txBody>
+      </p:sp>
     </p:spTree>
     <p:extLst>
       <p:ext uri="{BB962C8B-B14F-4D97-AF65-F5344CB8AC3E}">
@@ -12541,6 +12636,34 @@
           </a:ln>
         </p:spPr>
       </p:pic>
+      <p:sp>
+        <p:nvSpPr>
+          <p:cNvPr id="2" name="Footer Placeholder 1">
+            <a:extLst>
+              <a:ext uri="{FF2B5EF4-FFF2-40B4-BE49-F238E27FC236}">
+                <a16:creationId xmlns:a16="http://schemas.microsoft.com/office/drawing/2014/main" id="{64559949-C85C-49CC-847F-33126EEE2E52}"/>
+              </a:ext>
+            </a:extLst>
+          </p:cNvPr>
+          <p:cNvSpPr>
+            <a:spLocks noGrp="1"/>
+          </p:cNvSpPr>
+          <p:nvPr>
+            <p:ph type="ftr" sz="quarter" idx="11"/>
+          </p:nvPr>
+        </p:nvSpPr>
+        <p:spPr/>
+        <p:txBody>
+          <a:bodyPr/>
+          <a:lstStyle/>
+          <a:p>
+            <a:r>
+              <a:rPr lang="en-US"/>
+              <a:t>https://github.com/milljohn/2018_REU</a:t>
+            </a:r>
+          </a:p>
+        </p:txBody>
+      </p:sp>
     </p:spTree>
     <p:extLst>
       <p:ext uri="{BB962C8B-B14F-4D97-AF65-F5344CB8AC3E}">
@@ -12686,6 +12809,34 @@
             <a:r>
               <a:rPr lang="en-US" dirty="0"/>
               <a:t>VHDL &amp; Block Diagrams</a:t>
+            </a:r>
+          </a:p>
+        </p:txBody>
+      </p:sp>
+      <p:sp>
+        <p:nvSpPr>
+          <p:cNvPr id="3" name="Footer Placeholder 2">
+            <a:extLst>
+              <a:ext uri="{FF2B5EF4-FFF2-40B4-BE49-F238E27FC236}">
+                <a16:creationId xmlns:a16="http://schemas.microsoft.com/office/drawing/2014/main" id="{58BA48B1-2356-4A9B-A47E-8A477F7F4664}"/>
+              </a:ext>
+            </a:extLst>
+          </p:cNvPr>
+          <p:cNvSpPr>
+            <a:spLocks noGrp="1"/>
+          </p:cNvSpPr>
+          <p:nvPr>
+            <p:ph type="ftr" sz="quarter" idx="11"/>
+          </p:nvPr>
+        </p:nvSpPr>
+        <p:spPr/>
+        <p:txBody>
+          <a:bodyPr/>
+          <a:lstStyle/>
+          <a:p>
+            <a:r>
+              <a:rPr lang="en-US"/>
+              <a:t>https://github.com/milljohn/2018_REU</a:t>
             </a:r>
           </a:p>
         </p:txBody>
@@ -13427,6 +13578,34 @@
           </a:p>
         </p:txBody>
       </p:sp>
+      <p:sp>
+        <p:nvSpPr>
+          <p:cNvPr id="3" name="Footer Placeholder 2">
+            <a:extLst>
+              <a:ext uri="{FF2B5EF4-FFF2-40B4-BE49-F238E27FC236}">
+                <a16:creationId xmlns:a16="http://schemas.microsoft.com/office/drawing/2014/main" id="{D1F5667E-3634-45E8-9FE5-9408DE5202E7}"/>
+              </a:ext>
+            </a:extLst>
+          </p:cNvPr>
+          <p:cNvSpPr>
+            <a:spLocks noGrp="1"/>
+          </p:cNvSpPr>
+          <p:nvPr>
+            <p:ph type="ftr" sz="quarter" idx="11"/>
+          </p:nvPr>
+        </p:nvSpPr>
+        <p:spPr/>
+        <p:txBody>
+          <a:bodyPr/>
+          <a:lstStyle/>
+          <a:p>
+            <a:r>
+              <a:rPr lang="en-US"/>
+              <a:t>https://github.com/milljohn/2018_REU</a:t>
+            </a:r>
+          </a:p>
+        </p:txBody>
+      </p:sp>
     </p:spTree>
     <p:extLst>
       <p:ext uri="{BB962C8B-B14F-4D97-AF65-F5344CB8AC3E}">
@@ -14700,6 +14879,34 @@
           </a:fontRef>
         </p:style>
       </p:cxnSp>
+      <p:sp>
+        <p:nvSpPr>
+          <p:cNvPr id="2" name="Footer Placeholder 1">
+            <a:extLst>
+              <a:ext uri="{FF2B5EF4-FFF2-40B4-BE49-F238E27FC236}">
+                <a16:creationId xmlns:a16="http://schemas.microsoft.com/office/drawing/2014/main" id="{4F26E1AF-EDCE-4D91-9052-8F0E81D07AE5}"/>
+              </a:ext>
+            </a:extLst>
+          </p:cNvPr>
+          <p:cNvSpPr>
+            <a:spLocks noGrp="1"/>
+          </p:cNvSpPr>
+          <p:nvPr>
+            <p:ph type="ftr" sz="quarter" idx="11"/>
+          </p:nvPr>
+        </p:nvSpPr>
+        <p:spPr/>
+        <p:txBody>
+          <a:bodyPr/>
+          <a:lstStyle/>
+          <a:p>
+            <a:r>
+              <a:rPr lang="en-US"/>
+              <a:t>https://github.com/milljohn/2018_REU</a:t>
+            </a:r>
+          </a:p>
+        </p:txBody>
+      </p:sp>
     </p:spTree>
     <p:extLst>
       <p:ext uri="{BB962C8B-B14F-4D97-AF65-F5344CB8AC3E}">
@@ -15935,6 +16142,34 @@
           </a:fontRef>
         </p:style>
       </p:cxnSp>
+      <p:sp>
+        <p:nvSpPr>
+          <p:cNvPr id="2" name="Footer Placeholder 1">
+            <a:extLst>
+              <a:ext uri="{FF2B5EF4-FFF2-40B4-BE49-F238E27FC236}">
+                <a16:creationId xmlns:a16="http://schemas.microsoft.com/office/drawing/2014/main" id="{B2FDD431-DF63-4EB3-92A8-2FDAFD622CF7}"/>
+              </a:ext>
+            </a:extLst>
+          </p:cNvPr>
+          <p:cNvSpPr>
+            <a:spLocks noGrp="1"/>
+          </p:cNvSpPr>
+          <p:nvPr>
+            <p:ph type="ftr" sz="quarter" idx="11"/>
+          </p:nvPr>
+        </p:nvSpPr>
+        <p:spPr/>
+        <p:txBody>
+          <a:bodyPr/>
+          <a:lstStyle/>
+          <a:p>
+            <a:r>
+              <a:rPr lang="en-US"/>
+              <a:t>https://github.com/milljohn/2018_REU</a:t>
+            </a:r>
+          </a:p>
+        </p:txBody>
+      </p:sp>
     </p:spTree>
     <p:extLst>
       <p:ext uri="{BB962C8B-B14F-4D97-AF65-F5344CB8AC3E}">
@@ -16515,6 +16750,34 @@
           </a:p>
         </p:txBody>
       </p:sp>
+      <p:sp>
+        <p:nvSpPr>
+          <p:cNvPr id="2" name="Footer Placeholder 1">
+            <a:extLst>
+              <a:ext uri="{FF2B5EF4-FFF2-40B4-BE49-F238E27FC236}">
+                <a16:creationId xmlns:a16="http://schemas.microsoft.com/office/drawing/2014/main" id="{3FDA52E6-600E-49CD-A64B-64AC167D9C92}"/>
+              </a:ext>
+            </a:extLst>
+          </p:cNvPr>
+          <p:cNvSpPr>
+            <a:spLocks noGrp="1"/>
+          </p:cNvSpPr>
+          <p:nvPr>
+            <p:ph type="ftr" sz="quarter" idx="11"/>
+          </p:nvPr>
+        </p:nvSpPr>
+        <p:spPr/>
+        <p:txBody>
+          <a:bodyPr/>
+          <a:lstStyle/>
+          <a:p>
+            <a:r>
+              <a:rPr lang="en-US"/>
+              <a:t>https://github.com/milljohn/2018_REU</a:t>
+            </a:r>
+          </a:p>
+        </p:txBody>
+      </p:sp>
     </p:spTree>
     <p:extLst>
       <p:ext uri="{BB962C8B-B14F-4D97-AF65-F5344CB8AC3E}">
@@ -16796,6 +17059,34 @@
               <a:t>phaser_auto</a:t>
             </a:r>
             <a:endParaRPr lang="en-US" sz="3600" dirty="0"/>
+          </a:p>
+        </p:txBody>
+      </p:sp>
+      <p:sp>
+        <p:nvSpPr>
+          <p:cNvPr id="5" name="Footer Placeholder 4">
+            <a:extLst>
+              <a:ext uri="{FF2B5EF4-FFF2-40B4-BE49-F238E27FC236}">
+                <a16:creationId xmlns:a16="http://schemas.microsoft.com/office/drawing/2014/main" id="{7BFFD0D9-FF38-42F0-8AF2-8C068DD4B72D}"/>
+              </a:ext>
+            </a:extLst>
+          </p:cNvPr>
+          <p:cNvSpPr>
+            <a:spLocks noGrp="1"/>
+          </p:cNvSpPr>
+          <p:nvPr>
+            <p:ph type="ftr" sz="quarter" idx="11"/>
+          </p:nvPr>
+        </p:nvSpPr>
+        <p:spPr/>
+        <p:txBody>
+          <a:bodyPr/>
+          <a:lstStyle/>
+          <a:p>
+            <a:r>
+              <a:rPr lang="en-US"/>
+              <a:t>https://github.com/milljohn/2018_REU</a:t>
+            </a:r>
           </a:p>
         </p:txBody>
       </p:sp>
@@ -18245,6 +18536,34 @@
           </a:p>
         </p:txBody>
       </p:sp>
+      <p:sp>
+        <p:nvSpPr>
+          <p:cNvPr id="6" name="Footer Placeholder 5">
+            <a:extLst>
+              <a:ext uri="{FF2B5EF4-FFF2-40B4-BE49-F238E27FC236}">
+                <a16:creationId xmlns:a16="http://schemas.microsoft.com/office/drawing/2014/main" id="{83340DC0-9D59-4107-BF9C-1A806CDD0D71}"/>
+              </a:ext>
+            </a:extLst>
+          </p:cNvPr>
+          <p:cNvSpPr>
+            <a:spLocks noGrp="1"/>
+          </p:cNvSpPr>
+          <p:nvPr>
+            <p:ph type="ftr" sz="quarter" idx="11"/>
+          </p:nvPr>
+        </p:nvSpPr>
+        <p:spPr/>
+        <p:txBody>
+          <a:bodyPr/>
+          <a:lstStyle/>
+          <a:p>
+            <a:r>
+              <a:rPr lang="en-US"/>
+              <a:t>https://github.com/milljohn/2018_REU</a:t>
+            </a:r>
+          </a:p>
+        </p:txBody>
+      </p:sp>
     </p:spTree>
     <p:extLst>
       <p:ext uri="{BB962C8B-B14F-4D97-AF65-F5344CB8AC3E}">
@@ -19775,6 +20094,34 @@
           </p:style>
         </p:cxnSp>
       </p:grpSp>
+      <p:sp>
+        <p:nvSpPr>
+          <p:cNvPr id="4" name="Footer Placeholder 3">
+            <a:extLst>
+              <a:ext uri="{FF2B5EF4-FFF2-40B4-BE49-F238E27FC236}">
+                <a16:creationId xmlns:a16="http://schemas.microsoft.com/office/drawing/2014/main" id="{960D2BFD-1064-417D-8A37-01D0FBB7925E}"/>
+              </a:ext>
+            </a:extLst>
+          </p:cNvPr>
+          <p:cNvSpPr>
+            <a:spLocks noGrp="1"/>
+          </p:cNvSpPr>
+          <p:nvPr>
+            <p:ph type="ftr" sz="quarter" idx="11"/>
+          </p:nvPr>
+        </p:nvSpPr>
+        <p:spPr/>
+        <p:txBody>
+          <a:bodyPr/>
+          <a:lstStyle/>
+          <a:p>
+            <a:r>
+              <a:rPr lang="en-US"/>
+              <a:t>https://github.com/milljohn/2018_REU</a:t>
+            </a:r>
+          </a:p>
+        </p:txBody>
+      </p:sp>
     </p:spTree>
     <p:extLst>
       <p:ext uri="{BB962C8B-B14F-4D97-AF65-F5344CB8AC3E}">
@@ -20504,6 +20851,34 @@
           </p:txBody>
         </p:sp>
       </p:grpSp>
+      <p:sp>
+        <p:nvSpPr>
+          <p:cNvPr id="6" name="Footer Placeholder 5">
+            <a:extLst>
+              <a:ext uri="{FF2B5EF4-FFF2-40B4-BE49-F238E27FC236}">
+                <a16:creationId xmlns:a16="http://schemas.microsoft.com/office/drawing/2014/main" id="{D6F1CD5A-7DF8-4BF3-8696-A11DF8848202}"/>
+              </a:ext>
+            </a:extLst>
+          </p:cNvPr>
+          <p:cNvSpPr>
+            <a:spLocks noGrp="1"/>
+          </p:cNvSpPr>
+          <p:nvPr>
+            <p:ph type="ftr" sz="quarter" idx="11"/>
+          </p:nvPr>
+        </p:nvSpPr>
+        <p:spPr/>
+        <p:txBody>
+          <a:bodyPr/>
+          <a:lstStyle/>
+          <a:p>
+            <a:r>
+              <a:rPr lang="en-US"/>
+              <a:t>https://github.com/milljohn/2018_REU</a:t>
+            </a:r>
+          </a:p>
+        </p:txBody>
+      </p:sp>
     </p:spTree>
     <p:extLst>
       <p:ext uri="{BB962C8B-B14F-4D97-AF65-F5344CB8AC3E}">
@@ -20567,6 +20942,34 @@
           </a:prstGeom>
         </p:spPr>
       </p:pic>
+      <p:sp>
+        <p:nvSpPr>
+          <p:cNvPr id="3" name="Footer Placeholder 2">
+            <a:extLst>
+              <a:ext uri="{FF2B5EF4-FFF2-40B4-BE49-F238E27FC236}">
+                <a16:creationId xmlns:a16="http://schemas.microsoft.com/office/drawing/2014/main" id="{E69689FC-10AB-46F9-AB13-97110631092C}"/>
+              </a:ext>
+            </a:extLst>
+          </p:cNvPr>
+          <p:cNvSpPr>
+            <a:spLocks noGrp="1"/>
+          </p:cNvSpPr>
+          <p:nvPr>
+            <p:ph type="ftr" sz="quarter" idx="11"/>
+          </p:nvPr>
+        </p:nvSpPr>
+        <p:spPr/>
+        <p:txBody>
+          <a:bodyPr/>
+          <a:lstStyle/>
+          <a:p>
+            <a:r>
+              <a:rPr lang="en-US"/>
+              <a:t>https://github.com/milljohn/2018_REU</a:t>
+            </a:r>
+          </a:p>
+        </p:txBody>
+      </p:sp>
     </p:spTree>
     <p:extLst>
       <p:ext uri="{BB962C8B-B14F-4D97-AF65-F5344CB8AC3E}">
@@ -21147,6 +21550,34 @@
           </a:prstGeom>
         </p:spPr>
       </p:pic>
+      <p:sp>
+        <p:nvSpPr>
+          <p:cNvPr id="4" name="Footer Placeholder 3">
+            <a:extLst>
+              <a:ext uri="{FF2B5EF4-FFF2-40B4-BE49-F238E27FC236}">
+                <a16:creationId xmlns:a16="http://schemas.microsoft.com/office/drawing/2014/main" id="{03F03A77-FDDD-4A6A-A856-DDD5BD7610B3}"/>
+              </a:ext>
+            </a:extLst>
+          </p:cNvPr>
+          <p:cNvSpPr>
+            <a:spLocks noGrp="1"/>
+          </p:cNvSpPr>
+          <p:nvPr>
+            <p:ph type="ftr" sz="quarter" idx="11"/>
+          </p:nvPr>
+        </p:nvSpPr>
+        <p:spPr/>
+        <p:txBody>
+          <a:bodyPr/>
+          <a:lstStyle/>
+          <a:p>
+            <a:r>
+              <a:rPr lang="en-US"/>
+              <a:t>https://github.com/milljohn/2018_REU</a:t>
+            </a:r>
+          </a:p>
+        </p:txBody>
+      </p:sp>
     </p:spTree>
     <p:extLst>
       <p:ext uri="{BB962C8B-B14F-4D97-AF65-F5344CB8AC3E}">
@@ -21226,6 +21657,34 @@
           </a:prstGeom>
         </p:spPr>
       </p:pic>
+      <p:sp>
+        <p:nvSpPr>
+          <p:cNvPr id="4" name="Footer Placeholder 3">
+            <a:extLst>
+              <a:ext uri="{FF2B5EF4-FFF2-40B4-BE49-F238E27FC236}">
+                <a16:creationId xmlns:a16="http://schemas.microsoft.com/office/drawing/2014/main" id="{9D0C6516-B376-49EA-B609-D623E0811B40}"/>
+              </a:ext>
+            </a:extLst>
+          </p:cNvPr>
+          <p:cNvSpPr>
+            <a:spLocks noGrp="1"/>
+          </p:cNvSpPr>
+          <p:nvPr>
+            <p:ph type="ftr" sz="quarter" idx="11"/>
+          </p:nvPr>
+        </p:nvSpPr>
+        <p:spPr/>
+        <p:txBody>
+          <a:bodyPr/>
+          <a:lstStyle/>
+          <a:p>
+            <a:r>
+              <a:rPr lang="en-US"/>
+              <a:t>https://github.com/milljohn/2018_REU</a:t>
+            </a:r>
+          </a:p>
+        </p:txBody>
+      </p:sp>
     </p:spTree>
     <p:extLst>
       <p:ext uri="{BB962C8B-B14F-4D97-AF65-F5344CB8AC3E}">
@@ -21305,6 +21764,34 @@
           </a:prstGeom>
         </p:spPr>
       </p:pic>
+      <p:sp>
+        <p:nvSpPr>
+          <p:cNvPr id="4" name="Footer Placeholder 3">
+            <a:extLst>
+              <a:ext uri="{FF2B5EF4-FFF2-40B4-BE49-F238E27FC236}">
+                <a16:creationId xmlns:a16="http://schemas.microsoft.com/office/drawing/2014/main" id="{9FAAA176-B06D-408C-B343-7EDB672D6DDD}"/>
+              </a:ext>
+            </a:extLst>
+          </p:cNvPr>
+          <p:cNvSpPr>
+            <a:spLocks noGrp="1"/>
+          </p:cNvSpPr>
+          <p:nvPr>
+            <p:ph type="ftr" sz="quarter" idx="11"/>
+          </p:nvPr>
+        </p:nvSpPr>
+        <p:spPr/>
+        <p:txBody>
+          <a:bodyPr/>
+          <a:lstStyle/>
+          <a:p>
+            <a:r>
+              <a:rPr lang="en-US"/>
+              <a:t>https://github.com/milljohn/2018_REU</a:t>
+            </a:r>
+          </a:p>
+        </p:txBody>
+      </p:sp>
     </p:spTree>
     <p:extLst>
       <p:ext uri="{BB962C8B-B14F-4D97-AF65-F5344CB8AC3E}">
@@ -21384,6 +21871,34 @@
           </a:prstGeom>
         </p:spPr>
       </p:pic>
+      <p:sp>
+        <p:nvSpPr>
+          <p:cNvPr id="4" name="Footer Placeholder 3">
+            <a:extLst>
+              <a:ext uri="{FF2B5EF4-FFF2-40B4-BE49-F238E27FC236}">
+                <a16:creationId xmlns:a16="http://schemas.microsoft.com/office/drawing/2014/main" id="{C96E635D-44CE-4E14-A748-303D2236F722}"/>
+              </a:ext>
+            </a:extLst>
+          </p:cNvPr>
+          <p:cNvSpPr>
+            <a:spLocks noGrp="1"/>
+          </p:cNvSpPr>
+          <p:nvPr>
+            <p:ph type="ftr" sz="quarter" idx="11"/>
+          </p:nvPr>
+        </p:nvSpPr>
+        <p:spPr/>
+        <p:txBody>
+          <a:bodyPr/>
+          <a:lstStyle/>
+          <a:p>
+            <a:r>
+              <a:rPr lang="en-US"/>
+              <a:t>https://github.com/milljohn/2018_REU</a:t>
+            </a:r>
+          </a:p>
+        </p:txBody>
+      </p:sp>
     </p:spTree>
     <p:extLst>
       <p:ext uri="{BB962C8B-B14F-4D97-AF65-F5344CB8AC3E}">
@@ -21463,6 +21978,34 @@
           </a:prstGeom>
         </p:spPr>
       </p:pic>
+      <p:sp>
+        <p:nvSpPr>
+          <p:cNvPr id="4" name="Footer Placeholder 3">
+            <a:extLst>
+              <a:ext uri="{FF2B5EF4-FFF2-40B4-BE49-F238E27FC236}">
+                <a16:creationId xmlns:a16="http://schemas.microsoft.com/office/drawing/2014/main" id="{3FCEF90D-CE69-4D7C-ABEF-05C7F1E3EAA4}"/>
+              </a:ext>
+            </a:extLst>
+          </p:cNvPr>
+          <p:cNvSpPr>
+            <a:spLocks noGrp="1"/>
+          </p:cNvSpPr>
+          <p:nvPr>
+            <p:ph type="ftr" sz="quarter" idx="11"/>
+          </p:nvPr>
+        </p:nvSpPr>
+        <p:spPr/>
+        <p:txBody>
+          <a:bodyPr/>
+          <a:lstStyle/>
+          <a:p>
+            <a:r>
+              <a:rPr lang="en-US"/>
+              <a:t>https://github.com/milljohn/2018_REU</a:t>
+            </a:r>
+          </a:p>
+        </p:txBody>
+      </p:sp>
     </p:spTree>
     <p:extLst>
       <p:ext uri="{BB962C8B-B14F-4D97-AF65-F5344CB8AC3E}">
@@ -22260,6 +22803,34 @@
               </a:spcBef>
             </a:pPr>
             <a:endParaRPr/>
+          </a:p>
+        </p:txBody>
+      </p:sp>
+      <p:sp>
+        <p:nvSpPr>
+          <p:cNvPr id="2" name="Footer Placeholder 1">
+            <a:extLst>
+              <a:ext uri="{FF2B5EF4-FFF2-40B4-BE49-F238E27FC236}">
+                <a16:creationId xmlns:a16="http://schemas.microsoft.com/office/drawing/2014/main" id="{63A3FF4A-A1B5-4605-856A-59B2267D5DA3}"/>
+              </a:ext>
+            </a:extLst>
+          </p:cNvPr>
+          <p:cNvSpPr>
+            <a:spLocks noGrp="1"/>
+          </p:cNvSpPr>
+          <p:nvPr>
+            <p:ph type="ftr" sz="quarter" idx="11"/>
+          </p:nvPr>
+        </p:nvSpPr>
+        <p:spPr/>
+        <p:txBody>
+          <a:bodyPr/>
+          <a:lstStyle/>
+          <a:p>
+            <a:r>
+              <a:rPr lang="en-US"/>
+              <a:t>https://github.com/milljohn/2018_REU</a:t>
+            </a:r>
           </a:p>
         </p:txBody>
       </p:sp>
